--- a/PetTutor SDK Webinar.pptx
+++ b/PetTutor SDK Webinar.pptx
@@ -3316,7 +3316,7 @@
         </p:nvSpPr>
         <p:spPr>
           <a:xfrm>
-            <a:off x="607613" y="2945658"/>
+            <a:off x="607613" y="1271616"/>
             <a:ext cx="7907792" cy="938370"/>
           </a:xfrm>
         </p:spPr>
@@ -3343,6 +3343,225 @@
               </a:rPr>
               <a:t> Introduction</a:t>
             </a:r>
+            <a:endParaRPr lang="en-US" dirty="0">
+              <a:solidFill>
+                <a:srgbClr val="FFFFFF"/>
+              </a:solidFill>
+            </a:endParaRPr>
+          </a:p>
+        </p:txBody>
+      </p:sp>
+      <p:sp>
+        <p:nvSpPr>
+          <p:cNvPr id="6" name="Title 1"/>
+          <p:cNvSpPr txBox="1">
+            <a:spLocks/>
+          </p:cNvSpPr>
+          <p:nvPr/>
+        </p:nvSpPr>
+        <p:spPr>
+          <a:xfrm>
+            <a:off x="760013" y="2568208"/>
+            <a:ext cx="7907792" cy="2943274"/>
+          </a:xfrm>
+          <a:prstGeom prst="rect">
+            <a:avLst/>
+          </a:prstGeom>
+        </p:spPr>
+        <p:txBody>
+          <a:bodyPr vert="horz" lIns="91440" tIns="45720" rIns="91440" bIns="45720" rtlCol="0" anchor="ctr">
+            <a:normAutofit fontScale="47500" lnSpcReduction="20000"/>
+          </a:bodyPr>
+          <a:lstStyle>
+            <a:lvl1pPr algn="ctr" defTabSz="457200" rtl="0" eaLnBrk="1" latinLnBrk="0" hangingPunct="1">
+              <a:spcBef>
+                <a:spcPct val="0"/>
+              </a:spcBef>
+              <a:buNone/>
+              <a:defRPr sz="4400" kern="1200">
+                <a:solidFill>
+                  <a:schemeClr val="tx1"/>
+                </a:solidFill>
+                <a:latin typeface="+mj-lt"/>
+                <a:ea typeface="+mj-ea"/>
+                <a:cs typeface="+mj-cs"/>
+              </a:defRPr>
+            </a:lvl1pPr>
+          </a:lstStyle>
+          <a:p>
+            <a:pPr algn="l"/>
+            <a:r>
+              <a:rPr lang="en-US" dirty="0" smtClean="0">
+                <a:solidFill>
+                  <a:schemeClr val="bg1"/>
+                </a:solidFill>
+                <a:hlinkClick r:id="rId2"/>
+              </a:rPr>
+              <a:t>Demos Available At:</a:t>
+            </a:r>
+          </a:p>
+          <a:p>
+            <a:pPr marL="742950" indent="-742950" algn="l">
+              <a:buAutoNum type="arabicParenR"/>
+            </a:pPr>
+            <a:endParaRPr lang="en-US" dirty="0">
+              <a:solidFill>
+                <a:schemeClr val="bg1"/>
+              </a:solidFill>
+              <a:hlinkClick r:id="rId2"/>
+            </a:endParaRPr>
+          </a:p>
+          <a:p>
+            <a:pPr marL="742950" indent="-742950" algn="l">
+              <a:buAutoNum type="arabicParenR"/>
+            </a:pPr>
+            <a:r>
+              <a:rPr lang="en-US" dirty="0" smtClean="0">
+                <a:solidFill>
+                  <a:schemeClr val="bg1"/>
+                </a:solidFill>
+                <a:hlinkClick r:id="rId2"/>
+              </a:rPr>
+              <a:t>https</a:t>
+            </a:r>
+            <a:r>
+              <a:rPr lang="en-US" dirty="0">
+                <a:solidFill>
+                  <a:schemeClr val="bg1"/>
+                </a:solidFill>
+                <a:hlinkClick r:id="rId2"/>
+              </a:rPr>
+              <a:t>://github.com/PetTutor/PetTutor-SDK-</a:t>
+            </a:r>
+            <a:r>
+              <a:rPr lang="en-US" dirty="0" smtClean="0">
+                <a:solidFill>
+                  <a:schemeClr val="bg1"/>
+                </a:solidFill>
+                <a:hlinkClick r:id="rId2"/>
+              </a:rPr>
+              <a:t>Demos</a:t>
+            </a:r>
+          </a:p>
+          <a:p>
+            <a:pPr algn="l"/>
+            <a:endParaRPr lang="en-US" dirty="0">
+              <a:solidFill>
+                <a:schemeClr val="bg1"/>
+              </a:solidFill>
+              <a:hlinkClick r:id="rId2"/>
+            </a:endParaRPr>
+          </a:p>
+          <a:p>
+            <a:pPr algn="l"/>
+            <a:r>
+              <a:rPr lang="en-US" u="sng" dirty="0" smtClean="0">
+                <a:solidFill>
+                  <a:schemeClr val="bg1"/>
+                </a:solidFill>
+                <a:hlinkClick r:id="rId2"/>
+              </a:rPr>
+              <a:t> Git Hub Help:</a:t>
+            </a:r>
+          </a:p>
+          <a:p>
+            <a:pPr algn="l"/>
+            <a:endParaRPr lang="en-US" u="sng" dirty="0" smtClean="0">
+              <a:solidFill>
+                <a:schemeClr val="bg1"/>
+              </a:solidFill>
+              <a:hlinkClick r:id="rId2"/>
+            </a:endParaRPr>
+          </a:p>
+          <a:p>
+            <a:pPr marL="742950" indent="-742950" algn="l">
+              <a:buAutoNum type="arabicParenR"/>
+            </a:pPr>
+            <a:r>
+              <a:rPr lang="en-US" dirty="0" smtClean="0">
+                <a:solidFill>
+                  <a:schemeClr val="bg1"/>
+                </a:solidFill>
+                <a:hlinkClick r:id="rId2"/>
+              </a:rPr>
+              <a:t>https</a:t>
+            </a:r>
+            <a:r>
+              <a:rPr lang="en-US" dirty="0">
+                <a:solidFill>
+                  <a:schemeClr val="bg1"/>
+                </a:solidFill>
+                <a:hlinkClick r:id="rId2"/>
+              </a:rPr>
+              <a:t>://git-scm.com/book/en/v2/Getting-Started-Git-</a:t>
+            </a:r>
+            <a:r>
+              <a:rPr lang="en-US" dirty="0" smtClean="0">
+                <a:solidFill>
+                  <a:schemeClr val="bg1"/>
+                </a:solidFill>
+                <a:hlinkClick r:id="rId2"/>
+              </a:rPr>
+              <a:t>Basics</a:t>
+            </a:r>
+            <a:endParaRPr lang="en-US" dirty="0" smtClean="0">
+              <a:solidFill>
+                <a:schemeClr val="bg1"/>
+              </a:solidFill>
+            </a:endParaRPr>
+          </a:p>
+          <a:p>
+            <a:pPr marL="742950" indent="-742950" algn="l">
+              <a:buAutoNum type="arabicParenR"/>
+            </a:pPr>
+            <a:endParaRPr lang="en-US" dirty="0" smtClean="0">
+              <a:solidFill>
+                <a:schemeClr val="bg1"/>
+              </a:solidFill>
+            </a:endParaRPr>
+          </a:p>
+          <a:p>
+            <a:pPr marL="742950" indent="-742950" algn="l">
+              <a:buAutoNum type="arabicParenR"/>
+            </a:pPr>
+            <a:r>
+              <a:rPr lang="en-US" dirty="0">
+                <a:solidFill>
+                  <a:srgbClr val="FFFFFF"/>
+                </a:solidFill>
+                <a:hlinkClick r:id="rId3"/>
+              </a:rPr>
+              <a:t>https://www.youtube.com/watch?v=</a:t>
+            </a:r>
+            <a:r>
+              <a:rPr lang="en-US" dirty="0" smtClean="0">
+                <a:solidFill>
+                  <a:srgbClr val="FFFFFF"/>
+                </a:solidFill>
+                <a:hlinkClick r:id="rId3"/>
+              </a:rPr>
+              <a:t>0fKg7e37bQE</a:t>
+            </a:r>
+            <a:endParaRPr lang="en-US" dirty="0" smtClean="0">
+              <a:solidFill>
+                <a:srgbClr val="FFFFFF"/>
+              </a:solidFill>
+            </a:endParaRPr>
+          </a:p>
+          <a:p>
+            <a:pPr marL="742950" indent="-742950" algn="l">
+              <a:buAutoNum type="arabicParenR"/>
+            </a:pPr>
+            <a:endParaRPr lang="en-US" dirty="0" smtClean="0">
+              <a:solidFill>
+                <a:srgbClr val="FFFFFF"/>
+              </a:solidFill>
+            </a:endParaRPr>
+          </a:p>
+          <a:p>
+            <a:pPr marL="742950" indent="-742950" algn="l">
+              <a:buAutoNum type="arabicParenR"/>
+            </a:pPr>
             <a:endParaRPr lang="en-US" dirty="0">
               <a:solidFill>
                 <a:srgbClr val="FFFFFF"/>
@@ -6729,7 +6948,7 @@
 <file path=ppt/theme/theme1.xml><?xml version="1.0" encoding="utf-8"?>
 <a:theme xmlns:a="http://schemas.openxmlformats.org/drawingml/2006/main" name="Office Theme">
   <a:themeElements>
-    <a:clrScheme name="Office">
+    <a:clrScheme name="Custom 1">
       <a:dk1>
         <a:sysClr val="windowText" lastClr="000000"/>
       </a:dk1>
@@ -6761,7 +6980,7 @@
         <a:srgbClr val="F79646"/>
       </a:accent6>
       <a:hlink>
-        <a:srgbClr val="0000FF"/>
+        <a:srgbClr val="FFFFFF"/>
       </a:hlink>
       <a:folHlink>
         <a:srgbClr val="800080"/>

--- a/PetTutor SDK Webinar.pptx
+++ b/PetTutor SDK Webinar.pptx
@@ -298,7 +298,7 @@
           <a:p>
             <a:fld id="{A496D568-34D3-5745-84C8-F72AA1FBA0AC}" type="datetimeFigureOut">
               <a:rPr lang="en-US" smtClean="0"/>
-              <a:t>7/28/15</a:t>
+              <a:t>7/29/15</a:t>
             </a:fld>
             <a:endParaRPr lang="en-US" dirty="0"/>
           </a:p>
@@ -468,7 +468,7 @@
           <a:p>
             <a:fld id="{A496D568-34D3-5745-84C8-F72AA1FBA0AC}" type="datetimeFigureOut">
               <a:rPr lang="en-US" smtClean="0"/>
-              <a:t>7/28/15</a:t>
+              <a:t>7/29/15</a:t>
             </a:fld>
             <a:endParaRPr lang="en-US" dirty="0"/>
           </a:p>
@@ -648,7 +648,7 @@
           <a:p>
             <a:fld id="{A496D568-34D3-5745-84C8-F72AA1FBA0AC}" type="datetimeFigureOut">
               <a:rPr lang="en-US" smtClean="0"/>
-              <a:t>7/28/15</a:t>
+              <a:t>7/29/15</a:t>
             </a:fld>
             <a:endParaRPr lang="en-US" dirty="0"/>
           </a:p>
@@ -818,7 +818,7 @@
           <a:p>
             <a:fld id="{A496D568-34D3-5745-84C8-F72AA1FBA0AC}" type="datetimeFigureOut">
               <a:rPr lang="en-US" smtClean="0"/>
-              <a:t>7/28/15</a:t>
+              <a:t>7/29/15</a:t>
             </a:fld>
             <a:endParaRPr lang="en-US" dirty="0"/>
           </a:p>
@@ -1064,7 +1064,7 @@
           <a:p>
             <a:fld id="{A496D568-34D3-5745-84C8-F72AA1FBA0AC}" type="datetimeFigureOut">
               <a:rPr lang="en-US" smtClean="0"/>
-              <a:t>7/28/15</a:t>
+              <a:t>7/29/15</a:t>
             </a:fld>
             <a:endParaRPr lang="en-US" dirty="0"/>
           </a:p>
@@ -1352,7 +1352,7 @@
           <a:p>
             <a:fld id="{A496D568-34D3-5745-84C8-F72AA1FBA0AC}" type="datetimeFigureOut">
               <a:rPr lang="en-US" smtClean="0"/>
-              <a:t>7/28/15</a:t>
+              <a:t>7/29/15</a:t>
             </a:fld>
             <a:endParaRPr lang="en-US" dirty="0"/>
           </a:p>
@@ -1774,7 +1774,7 @@
           <a:p>
             <a:fld id="{A496D568-34D3-5745-84C8-F72AA1FBA0AC}" type="datetimeFigureOut">
               <a:rPr lang="en-US" smtClean="0"/>
-              <a:t>7/28/15</a:t>
+              <a:t>7/29/15</a:t>
             </a:fld>
             <a:endParaRPr lang="en-US" dirty="0"/>
           </a:p>
@@ -1892,7 +1892,7 @@
           <a:p>
             <a:fld id="{A496D568-34D3-5745-84C8-F72AA1FBA0AC}" type="datetimeFigureOut">
               <a:rPr lang="en-US" smtClean="0"/>
-              <a:t>7/28/15</a:t>
+              <a:t>7/29/15</a:t>
             </a:fld>
             <a:endParaRPr lang="en-US" dirty="0"/>
           </a:p>
@@ -1987,7 +1987,7 @@
           <a:p>
             <a:fld id="{A496D568-34D3-5745-84C8-F72AA1FBA0AC}" type="datetimeFigureOut">
               <a:rPr lang="en-US" smtClean="0"/>
-              <a:t>7/28/15</a:t>
+              <a:t>7/29/15</a:t>
             </a:fld>
             <a:endParaRPr lang="en-US" dirty="0"/>
           </a:p>
@@ -2264,7 +2264,7 @@
           <a:p>
             <a:fld id="{A496D568-34D3-5745-84C8-F72AA1FBA0AC}" type="datetimeFigureOut">
               <a:rPr lang="en-US" smtClean="0"/>
-              <a:t>7/28/15</a:t>
+              <a:t>7/29/15</a:t>
             </a:fld>
             <a:endParaRPr lang="en-US" dirty="0"/>
           </a:p>
@@ -2517,7 +2517,7 @@
           <a:p>
             <a:fld id="{A496D568-34D3-5745-84C8-F72AA1FBA0AC}" type="datetimeFigureOut">
               <a:rPr lang="en-US" smtClean="0"/>
-              <a:t>7/28/15</a:t>
+              <a:t>7/29/15</a:t>
             </a:fld>
             <a:endParaRPr lang="en-US" dirty="0"/>
           </a:p>
@@ -2737,7 +2737,7 @@
           <a:p>
             <a:fld id="{A496D568-34D3-5745-84C8-F72AA1FBA0AC}" type="datetimeFigureOut">
               <a:rPr lang="en-US" smtClean="0"/>
-              <a:t>7/28/15</a:t>
+              <a:t>7/29/15</a:t>
             </a:fld>
             <a:endParaRPr lang="en-US" dirty="0"/>
           </a:p>
@@ -3191,7 +3191,15 @@
                   <a:schemeClr val="bg1"/>
                 </a:solidFill>
               </a:rPr>
-              <a:t>We will be starting very soon!</a:t>
+              <a:t>We will be starting very </a:t>
+            </a:r>
+            <a:r>
+              <a:rPr lang="en-US" dirty="0" smtClean="0">
+                <a:solidFill>
+                  <a:schemeClr val="bg1"/>
+                </a:solidFill>
+              </a:rPr>
+              <a:t>soon…</a:t>
             </a:r>
             <a:endParaRPr lang="en-US" dirty="0">
               <a:solidFill>
@@ -3333,15 +3341,7 @@
                   <a:srgbClr val="FFFFFF"/>
                 </a:solidFill>
               </a:rPr>
-              <a:t>GitHub</a:t>
-            </a:r>
-            <a:r>
-              <a:rPr lang="en-US" dirty="0" smtClean="0">
-                <a:solidFill>
-                  <a:srgbClr val="FFFFFF"/>
-                </a:solidFill>
-              </a:rPr>
-              <a:t> Introduction</a:t>
+              <a:t>GitHub Introduction</a:t>
             </a:r>
             <a:endParaRPr lang="en-US" dirty="0">
               <a:solidFill>
@@ -3902,21 +3902,8 @@
                   <a:srgbClr val="FFFFFF"/>
                 </a:solidFill>
               </a:rPr>
-              <a:t>iOS</a:t>
-            </a:r>
-            <a:r>
-              <a:rPr lang="en-US" sz="3600" dirty="0" smtClean="0">
-                <a:solidFill>
-                  <a:srgbClr val="FFFFFF"/>
-                </a:solidFill>
-              </a:rPr>
-              <a:t> App Development for Pet Tutor</a:t>
-            </a:r>
-            <a:endParaRPr lang="en-US" sz="3600" dirty="0" smtClean="0">
-              <a:solidFill>
-                <a:srgbClr val="FFFFFF"/>
-              </a:solidFill>
-            </a:endParaRPr>
+              <a:t>iOS App Development for Pet Tutor</a:t>
+            </a:r>
           </a:p>
           <a:p>
             <a:pPr marL="514350" indent="-514350" algn="l">
@@ -4342,31 +4329,7 @@
                   <a:srgbClr val="FFFFFF"/>
                 </a:solidFill>
               </a:rPr>
-              <a:t>http://</a:t>
-            </a:r>
-            <a:r>
-              <a:rPr lang="en-US" sz="2000" dirty="0">
-                <a:solidFill>
-                  <a:srgbClr val="FFFFFF"/>
-                </a:solidFill>
-              </a:rPr>
-              <a:t>www.bluetooth.com</a:t>
-            </a:r>
-            <a:r>
-              <a:rPr lang="en-US" sz="2000" dirty="0">
-                <a:solidFill>
-                  <a:srgbClr val="FFFFFF"/>
-                </a:solidFill>
-              </a:rPr>
-              <a:t>/Pages/Bluetooth-</a:t>
-            </a:r>
-            <a:r>
-              <a:rPr lang="en-US" sz="2000" dirty="0">
-                <a:solidFill>
-                  <a:srgbClr val="FFFFFF"/>
-                </a:solidFill>
-              </a:rPr>
-              <a:t>Smart.aspx</a:t>
+              <a:t>http://www.bluetooth.com/Pages/Bluetooth-Smart.aspx</a:t>
             </a:r>
             <a:endParaRPr lang="en-US" sz="2000" dirty="0" smtClean="0">
               <a:solidFill>
@@ -4545,11 +4508,6 @@
               </a:rPr>
               <a:t>The Punch Through Design Bean:</a:t>
             </a:r>
-            <a:endParaRPr lang="en-US" dirty="0" smtClean="0">
-              <a:solidFill>
-                <a:srgbClr val="FFFFFF"/>
-              </a:solidFill>
-            </a:endParaRPr>
           </a:p>
         </p:txBody>
       </p:sp>
@@ -4796,15 +4754,7 @@
                   <a:srgbClr val="FFFFFF"/>
                 </a:solidFill>
               </a:rPr>
-              <a:t>Atmega</a:t>
-            </a:r>
-            <a:r>
-              <a:rPr lang="en-US" dirty="0" smtClean="0">
-                <a:solidFill>
-                  <a:srgbClr val="FFFFFF"/>
-                </a:solidFill>
-              </a:rPr>
-              <a:t> 328p 8mhz, 3V</a:t>
+              <a:t>Atmega 328p 8mhz, 3V</a:t>
             </a:r>
           </a:p>
           <a:p>
@@ -4846,23 +4796,7 @@
                   <a:srgbClr val="FFFFFF"/>
                 </a:solidFill>
               </a:rPr>
-              <a:t>Supports OSX, </a:t>
-            </a:r>
-            <a:r>
-              <a:rPr lang="en-US" dirty="0" smtClean="0">
-                <a:solidFill>
-                  <a:srgbClr val="FFFFFF"/>
-                </a:solidFill>
-              </a:rPr>
-              <a:t>iOS</a:t>
-            </a:r>
-            <a:r>
-              <a:rPr lang="en-US" dirty="0" smtClean="0">
-                <a:solidFill>
-                  <a:srgbClr val="FFFFFF"/>
-                </a:solidFill>
-              </a:rPr>
-              <a:t>, and Win 8</a:t>
+              <a:t>Supports OSX, iOS, and Win 8</a:t>
             </a:r>
           </a:p>
           <a:p>
@@ -4890,23 +4824,7 @@
                   <a:srgbClr val="FFFFFF"/>
                 </a:solidFill>
               </a:rPr>
-              <a:t>https://</a:t>
-            </a:r>
-            <a:r>
-              <a:rPr lang="en-US" dirty="0">
-                <a:solidFill>
-                  <a:srgbClr val="FFFFFF"/>
-                </a:solidFill>
-              </a:rPr>
-              <a:t>punchthrough.com</a:t>
-            </a:r>
-            <a:r>
-              <a:rPr lang="en-US" dirty="0">
-                <a:solidFill>
-                  <a:srgbClr val="FFFFFF"/>
-                </a:solidFill>
-              </a:rPr>
-              <a:t>/bean/</a:t>
+              <a:t>https://punchthrough.com/bean/</a:t>
             </a:r>
             <a:endParaRPr lang="en-US" dirty="0" smtClean="0">
               <a:solidFill>
@@ -5143,11 +5061,6 @@
               </a:rPr>
               <a:t>Our commitment to BLE</a:t>
             </a:r>
-            <a:endParaRPr lang="en-US" dirty="0" smtClean="0">
-              <a:solidFill>
-                <a:srgbClr val="FFFFFF"/>
-              </a:solidFill>
-            </a:endParaRPr>
           </a:p>
         </p:txBody>
       </p:sp>
@@ -5827,15 +5740,7 @@
                   <a:srgbClr val="FFFFFF"/>
                 </a:solidFill>
               </a:rPr>
-              <a:t>Arduino</a:t>
-            </a:r>
-            <a:r>
-              <a:rPr lang="en-US" sz="3200" dirty="0" smtClean="0">
-                <a:solidFill>
-                  <a:srgbClr val="FFFFFF"/>
-                </a:solidFill>
-              </a:rPr>
-              <a:t> Code to Trigger a Feeder:</a:t>
+              <a:t>Arduino Code to Trigger a Feeder:</a:t>
             </a:r>
           </a:p>
           <a:p>
@@ -5924,21 +5829,8 @@
                   <a:srgbClr val="FFFFFF"/>
                 </a:solidFill>
               </a:rPr>
-              <a:t>Bean.setScratchNumber</a:t>
-            </a:r>
-            <a:r>
-              <a:rPr lang="en-US" sz="2400" dirty="0" smtClean="0">
-                <a:solidFill>
-                  <a:srgbClr val="FFFFFF"/>
-                </a:solidFill>
-              </a:rPr>
-              <a:t>(5, 1);</a:t>
-            </a:r>
-            <a:endParaRPr lang="en-US" sz="2400" dirty="0" smtClean="0">
-              <a:solidFill>
-                <a:srgbClr val="FFFFFF"/>
-              </a:solidFill>
-            </a:endParaRPr>
+              <a:t>Bean.setScratchNumber(5, 1);</a:t>
+            </a:r>
           </a:p>
         </p:txBody>
       </p:sp>
@@ -6308,23 +6200,7 @@
                   <a:srgbClr val="FFFFFF"/>
                 </a:solidFill>
               </a:rPr>
-              <a:t>To get this level of feedback you must go to </a:t>
-            </a:r>
-            <a:r>
-              <a:rPr lang="en-US" dirty="0" smtClean="0">
-                <a:solidFill>
-                  <a:srgbClr val="FFFFFF"/>
-                </a:solidFill>
-              </a:rPr>
-              <a:t>Arduino’s</a:t>
-            </a:r>
-            <a:r>
-              <a:rPr lang="en-US" dirty="0" smtClean="0">
-                <a:solidFill>
-                  <a:srgbClr val="FFFFFF"/>
-                </a:solidFill>
-              </a:rPr>
-              <a:t> preferences and select:</a:t>
+              <a:t>To get this level of feedback you must go to Arduino’s preferences and select:</a:t>
             </a:r>
             <a:endParaRPr lang="en-US" dirty="0">
               <a:solidFill>
@@ -6466,15 +6342,7 @@
                   <a:srgbClr val="FFFFFF"/>
                 </a:solidFill>
               </a:rPr>
-              <a:t>iOS</a:t>
-            </a:r>
-            <a:r>
-              <a:rPr lang="en-US" dirty="0">
-                <a:solidFill>
-                  <a:srgbClr val="FFFFFF"/>
-                </a:solidFill>
-              </a:rPr>
-              <a:t> App Development for Pet Tutor</a:t>
+              <a:t>iOS App Development for Pet Tutor</a:t>
             </a:r>
           </a:p>
         </p:txBody>
@@ -6663,15 +6531,7 @@
                   <a:srgbClr val="FFFFFF"/>
                 </a:solidFill>
               </a:rPr>
-              <a:t>iOS</a:t>
-            </a:r>
-            <a:r>
-              <a:rPr lang="en-US" sz="3200" dirty="0" smtClean="0">
-                <a:solidFill>
-                  <a:srgbClr val="FFFFFF"/>
-                </a:solidFill>
-              </a:rPr>
-              <a:t> Code to Trigger a Feeder:</a:t>
+              <a:t>iOS Code to Trigger a Feeder:</a:t>
             </a:r>
           </a:p>
           <a:p>
@@ -6689,15 +6549,7 @@
                   <a:srgbClr val="FFFFFF"/>
                 </a:solidFill>
               </a:rPr>
-              <a:t>[bean </a:t>
-            </a:r>
-            <a:r>
-              <a:rPr lang="en-US" sz="2800" dirty="0" smtClean="0">
-                <a:solidFill>
-                  <a:srgbClr val="FFFFFF"/>
-                </a:solidFill>
-              </a:rPr>
-              <a:t>sendSerialString</a:t>
+              <a:t>[bean sendSerialString</a:t>
             </a:r>
             <a:r>
               <a:rPr lang="en-US" sz="2800" dirty="0">
@@ -6759,39 +6611,15 @@
                   <a:srgbClr val="FFFFFF"/>
                 </a:solidFill>
               </a:rPr>
-              <a:t>    </a:t>
-            </a:r>
-            <a:r>
-              <a:rPr lang="en-US" sz="1800" dirty="0" smtClean="0">
+              <a:t>    int </a:t>
+            </a:r>
+            <a:r>
+              <a:rPr lang="en-US" sz="1800" dirty="0">
                 <a:solidFill>
                   <a:srgbClr val="FFFFFF"/>
                 </a:solidFill>
               </a:rPr>
-              <a:t>int</a:t>
-            </a:r>
-            <a:r>
-              <a:rPr lang="en-US" sz="1800" dirty="0" smtClean="0">
-                <a:solidFill>
-                  <a:srgbClr val="FFFFFF"/>
-                </a:solidFill>
-              </a:rPr>
-              <a:t> </a:t>
-            </a:r>
-            <a:r>
-              <a:rPr lang="en-US" sz="1800" dirty="0">
-                <a:solidFill>
-                  <a:srgbClr val="FFFFFF"/>
-                </a:solidFill>
-              </a:rPr>
-              <a:t>feedValue</a:t>
-            </a:r>
-            <a:r>
-              <a:rPr lang="en-US" sz="1800" dirty="0">
-                <a:solidFill>
-                  <a:srgbClr val="FFFFFF"/>
-                </a:solidFill>
-              </a:rPr>
-              <a:t> = 1;</a:t>
+              <a:t>feedValue = 1;</a:t>
             </a:r>
             <a:endParaRPr lang="en-US" sz="1800" dirty="0" smtClean="0">
               <a:solidFill>
@@ -6815,7 +6643,26 @@
                   <a:srgbClr val="FFFFFF"/>
                 </a:solidFill>
               </a:rPr>
-              <a:t>selectedBean</a:t>
+              <a:t>selectedBean setScratchBank:5 data</a:t>
+            </a:r>
+            <a:r>
+              <a:rPr lang="en-US" sz="1800" dirty="0" smtClean="0">
+                <a:solidFill>
+                  <a:srgbClr val="FFFFFF"/>
+                </a:solidFill>
+              </a:rPr>
+              <a:t>:    </a:t>
+            </a:r>
+          </a:p>
+          <a:p>
+            <a:pPr lvl="1" algn="l"/>
+            <a:r>
+              <a:rPr lang="en-US" sz="1800" dirty="0" smtClean="0">
+                <a:solidFill>
+                  <a:srgbClr val="FFFFFF"/>
+                </a:solidFill>
+              </a:rPr>
+              <a:t>                  [</a:t>
             </a:r>
             <a:r>
               <a:rPr lang="en-US" sz="1800" dirty="0">
@@ -6823,106 +6670,7 @@
                   <a:srgbClr val="FFFFFF"/>
                 </a:solidFill>
               </a:rPr>
-              <a:t> setScratchBank:5 data</a:t>
-            </a:r>
-            <a:r>
-              <a:rPr lang="en-US" sz="1800" dirty="0" smtClean="0">
-                <a:solidFill>
-                  <a:srgbClr val="FFFFFF"/>
-                </a:solidFill>
-              </a:rPr>
-              <a:t>:    </a:t>
-            </a:r>
-          </a:p>
-          <a:p>
-            <a:pPr lvl="1" algn="l"/>
-            <a:r>
-              <a:rPr lang="en-US" sz="1800" dirty="0" smtClean="0">
-                <a:solidFill>
-                  <a:srgbClr val="FFFFFF"/>
-                </a:solidFill>
-              </a:rPr>
-              <a:t>                  [</a:t>
-            </a:r>
-            <a:r>
-              <a:rPr lang="en-US" sz="1800" dirty="0">
-                <a:solidFill>
-                  <a:srgbClr val="FFFFFF"/>
-                </a:solidFill>
-              </a:rPr>
-              <a:t>NSData</a:t>
-            </a:r>
-            <a:r>
-              <a:rPr lang="en-US" sz="1800" dirty="0">
-                <a:solidFill>
-                  <a:srgbClr val="FFFFFF"/>
-                </a:solidFill>
-              </a:rPr>
-              <a:t> </a:t>
-            </a:r>
-            <a:r>
-              <a:rPr lang="en-US" sz="1800" dirty="0">
-                <a:solidFill>
-                  <a:srgbClr val="FFFFFF"/>
-                </a:solidFill>
-              </a:rPr>
-              <a:t>dataWithBytes</a:t>
-            </a:r>
-            <a:r>
-              <a:rPr lang="en-US" sz="1800" dirty="0">
-                <a:solidFill>
-                  <a:srgbClr val="FFFFFF"/>
-                </a:solidFill>
-              </a:rPr>
-              <a:t>:&amp;</a:t>
-            </a:r>
-            <a:r>
-              <a:rPr lang="en-US" sz="1800" dirty="0">
-                <a:solidFill>
-                  <a:srgbClr val="FFFFFF"/>
-                </a:solidFill>
-              </a:rPr>
-              <a:t>feedValue</a:t>
-            </a:r>
-            <a:r>
-              <a:rPr lang="en-US" sz="1800" dirty="0">
-                <a:solidFill>
-                  <a:srgbClr val="FFFFFF"/>
-                </a:solidFill>
-              </a:rPr>
-              <a:t> </a:t>
-            </a:r>
-            <a:r>
-              <a:rPr lang="en-US" sz="1800" dirty="0">
-                <a:solidFill>
-                  <a:srgbClr val="FFFFFF"/>
-                </a:solidFill>
-              </a:rPr>
-              <a:t>length:sizeof</a:t>
-            </a:r>
-            <a:r>
-              <a:rPr lang="en-US" sz="1800" dirty="0">
-                <a:solidFill>
-                  <a:srgbClr val="FFFFFF"/>
-                </a:solidFill>
-              </a:rPr>
-              <a:t>(</a:t>
-            </a:r>
-            <a:r>
-              <a:rPr lang="en-US" sz="1800" dirty="0">
-                <a:solidFill>
-                  <a:srgbClr val="FFFFFF"/>
-                </a:solidFill>
-              </a:rPr>
-              <a:t>feedValue</a:t>
-            </a:r>
-            <a:r>
-              <a:rPr lang="en-US" sz="1800" dirty="0">
-                <a:solidFill>
-                  <a:srgbClr val="FFFFFF"/>
-                </a:solidFill>
-              </a:rPr>
-              <a:t>)]];</a:t>
+              <a:t>NSData dataWithBytes:&amp;feedValue length:sizeof(feedValue)]];</a:t>
             </a:r>
             <a:endParaRPr lang="en-US" sz="1800" dirty="0" smtClean="0">
               <a:solidFill>
